--- a/6019_Phys_1/D2D/W03_04/Splitting the drawing and physics.pptx
+++ b/6019_Phys_1/D2D/W03_04/Splitting the drawing and physics.pptx
@@ -11,6 +11,16 @@
     <p:sldId id="260" r:id="rId5"/>
     <p:sldId id="261" r:id="rId6"/>
     <p:sldId id="262" r:id="rId7"/>
+    <p:sldId id="263" r:id="rId8"/>
+    <p:sldId id="264" r:id="rId9"/>
+    <p:sldId id="266" r:id="rId10"/>
+    <p:sldId id="267" r:id="rId11"/>
+    <p:sldId id="265" r:id="rId12"/>
+    <p:sldId id="268" r:id="rId13"/>
+    <p:sldId id="270" r:id="rId14"/>
+    <p:sldId id="271" r:id="rId15"/>
+    <p:sldId id="269" r:id="rId16"/>
+    <p:sldId id="272" r:id="rId17"/>
   </p:sldIdLst>
   <p:sldSz cx="12192000" cy="6858000"/>
   <p:notesSz cx="6858000" cy="9144000"/>
@@ -248,7 +258,7 @@
           <a:p>
             <a:fld id="{47EB2C74-D984-47CE-AD1C-2DE1FBC7F9B4}" type="datetimeFigureOut">
               <a:rPr lang="en-CA" smtClean="0"/>
-              <a:t>2023-10-10</a:t>
+              <a:t>2023-10-12</a:t>
             </a:fld>
             <a:endParaRPr lang="en-CA"/>
           </a:p>
@@ -418,7 +428,7 @@
           <a:p>
             <a:fld id="{47EB2C74-D984-47CE-AD1C-2DE1FBC7F9B4}" type="datetimeFigureOut">
               <a:rPr lang="en-CA" smtClean="0"/>
-              <a:t>2023-10-10</a:t>
+              <a:t>2023-10-12</a:t>
             </a:fld>
             <a:endParaRPr lang="en-CA"/>
           </a:p>
@@ -598,7 +608,7 @@
           <a:p>
             <a:fld id="{47EB2C74-D984-47CE-AD1C-2DE1FBC7F9B4}" type="datetimeFigureOut">
               <a:rPr lang="en-CA" smtClean="0"/>
-              <a:t>2023-10-10</a:t>
+              <a:t>2023-10-12</a:t>
             </a:fld>
             <a:endParaRPr lang="en-CA"/>
           </a:p>
@@ -768,7 +778,7 @@
           <a:p>
             <a:fld id="{47EB2C74-D984-47CE-AD1C-2DE1FBC7F9B4}" type="datetimeFigureOut">
               <a:rPr lang="en-CA" smtClean="0"/>
-              <a:t>2023-10-10</a:t>
+              <a:t>2023-10-12</a:t>
             </a:fld>
             <a:endParaRPr lang="en-CA"/>
           </a:p>
@@ -1014,7 +1024,7 @@
           <a:p>
             <a:fld id="{47EB2C74-D984-47CE-AD1C-2DE1FBC7F9B4}" type="datetimeFigureOut">
               <a:rPr lang="en-CA" smtClean="0"/>
-              <a:t>2023-10-10</a:t>
+              <a:t>2023-10-12</a:t>
             </a:fld>
             <a:endParaRPr lang="en-CA"/>
           </a:p>
@@ -1246,7 +1256,7 @@
           <a:p>
             <a:fld id="{47EB2C74-D984-47CE-AD1C-2DE1FBC7F9B4}" type="datetimeFigureOut">
               <a:rPr lang="en-CA" smtClean="0"/>
-              <a:t>2023-10-10</a:t>
+              <a:t>2023-10-12</a:t>
             </a:fld>
             <a:endParaRPr lang="en-CA"/>
           </a:p>
@@ -1613,7 +1623,7 @@
           <a:p>
             <a:fld id="{47EB2C74-D984-47CE-AD1C-2DE1FBC7F9B4}" type="datetimeFigureOut">
               <a:rPr lang="en-CA" smtClean="0"/>
-              <a:t>2023-10-10</a:t>
+              <a:t>2023-10-12</a:t>
             </a:fld>
             <a:endParaRPr lang="en-CA"/>
           </a:p>
@@ -1731,7 +1741,7 @@
           <a:p>
             <a:fld id="{47EB2C74-D984-47CE-AD1C-2DE1FBC7F9B4}" type="datetimeFigureOut">
               <a:rPr lang="en-CA" smtClean="0"/>
-              <a:t>2023-10-10</a:t>
+              <a:t>2023-10-12</a:t>
             </a:fld>
             <a:endParaRPr lang="en-CA"/>
           </a:p>
@@ -1826,7 +1836,7 @@
           <a:p>
             <a:fld id="{47EB2C74-D984-47CE-AD1C-2DE1FBC7F9B4}" type="datetimeFigureOut">
               <a:rPr lang="en-CA" smtClean="0"/>
-              <a:t>2023-10-10</a:t>
+              <a:t>2023-10-12</a:t>
             </a:fld>
             <a:endParaRPr lang="en-CA"/>
           </a:p>
@@ -2103,7 +2113,7 @@
           <a:p>
             <a:fld id="{47EB2C74-D984-47CE-AD1C-2DE1FBC7F9B4}" type="datetimeFigureOut">
               <a:rPr lang="en-CA" smtClean="0"/>
-              <a:t>2023-10-10</a:t>
+              <a:t>2023-10-12</a:t>
             </a:fld>
             <a:endParaRPr lang="en-CA"/>
           </a:p>
@@ -2360,7 +2370,7 @@
           <a:p>
             <a:fld id="{47EB2C74-D984-47CE-AD1C-2DE1FBC7F9B4}" type="datetimeFigureOut">
               <a:rPr lang="en-CA" smtClean="0"/>
-              <a:t>2023-10-10</a:t>
+              <a:t>2023-10-12</a:t>
             </a:fld>
             <a:endParaRPr lang="en-CA"/>
           </a:p>
@@ -2573,7 +2583,7 @@
           <a:p>
             <a:fld id="{47EB2C74-D984-47CE-AD1C-2DE1FBC7F9B4}" type="datetimeFigureOut">
               <a:rPr lang="en-CA" smtClean="0"/>
-              <a:t>2023-10-10</a:t>
+              <a:t>2023-10-12</a:t>
             </a:fld>
             <a:endParaRPr lang="en-CA"/>
           </a:p>
@@ -3235,6 +3245,1469 @@
 </p:sld>
 </file>
 
+<file path=ppt/slides/slide10.xml><?xml version="1.0" encoding="utf-8"?>
+<p:sld xmlns:a="http://schemas.openxmlformats.org/drawingml/2006/main" xmlns:r="http://schemas.openxmlformats.org/officeDocument/2006/relationships" xmlns:p="http://schemas.openxmlformats.org/presentationml/2006/main">
+  <p:cSld>
+    <p:spTree>
+      <p:nvGrpSpPr>
+        <p:cNvPr id="1" name=""/>
+        <p:cNvGrpSpPr/>
+        <p:nvPr/>
+      </p:nvGrpSpPr>
+      <p:grpSpPr>
+        <a:xfrm>
+          <a:off x="0" y="0"/>
+          <a:ext cx="0" cy="0"/>
+          <a:chOff x="0" y="0"/>
+          <a:chExt cx="0" cy="0"/>
+        </a:xfrm>
+      </p:grpSpPr>
+      <p:sp>
+        <p:nvSpPr>
+          <p:cNvPr id="3" name="Content Placeholder 2">
+            <a:extLst>
+              <a:ext uri="{FF2B5EF4-FFF2-40B4-BE49-F238E27FC236}">
+                <a16:creationId xmlns:a16="http://schemas.microsoft.com/office/drawing/2014/main" id="{70BB4104-CF09-BE8C-07B5-F7C090E6171B}"/>
+              </a:ext>
+            </a:extLst>
+          </p:cNvPr>
+          <p:cNvSpPr>
+            <a:spLocks noGrp="1"/>
+          </p:cNvSpPr>
+          <p:nvPr>
+            <p:ph idx="1"/>
+          </p:nvPr>
+        </p:nvSpPr>
+        <p:spPr>
+          <a:xfrm>
+            <a:off x="562897" y="294968"/>
+            <a:ext cx="10515600" cy="5813169"/>
+          </a:xfrm>
+        </p:spPr>
+        <p:txBody>
+          <a:bodyPr>
+            <a:normAutofit/>
+          </a:bodyPr>
+          <a:lstStyle/>
+          <a:p>
+            <a:pPr marL="457200" lvl="1" indent="0">
+              <a:buNone/>
+            </a:pPr>
+            <a:r>
+              <a:rPr lang="en-CA" sz="4400" dirty="0"/>
+              <a:t>Object 172 hitting Object 1627 </a:t>
+            </a:r>
+            <a:br>
+              <a:rPr lang="en-CA" sz="4400" dirty="0"/>
+            </a:br>
+            <a:r>
+              <a:rPr lang="en-CA" sz="4400" dirty="0"/>
+              <a:t>is the same as </a:t>
+            </a:r>
+            <a:br>
+              <a:rPr lang="en-CA" sz="4400" dirty="0"/>
+            </a:br>
+            <a:r>
+              <a:rPr lang="en-CA" sz="4400" dirty="0"/>
+              <a:t>Object 1627 hitting Object 172</a:t>
+            </a:r>
+          </a:p>
+          <a:p>
+            <a:pPr marL="457200" lvl="1" indent="0">
+              <a:buNone/>
+            </a:pPr>
+            <a:r>
+              <a:rPr lang="en-CA" sz="4400" dirty="0"/>
+              <a:t>A simple solution for this is to use their unique IDs (or pointer value) and only compare objects that GT or LT</a:t>
+            </a:r>
+          </a:p>
+          <a:p>
+            <a:endParaRPr lang="en-CA" sz="4400" dirty="0"/>
+          </a:p>
+        </p:txBody>
+      </p:sp>
+    </p:spTree>
+    <p:extLst>
+      <p:ext uri="{BB962C8B-B14F-4D97-AF65-F5344CB8AC3E}">
+        <p14:creationId xmlns:p14="http://schemas.microsoft.com/office/powerpoint/2010/main" val="2291734167"/>
+      </p:ext>
+    </p:extLst>
+  </p:cSld>
+  <p:clrMapOvr>
+    <a:masterClrMapping/>
+  </p:clrMapOvr>
+</p:sld>
+</file>
+
+<file path=ppt/slides/slide11.xml><?xml version="1.0" encoding="utf-8"?>
+<p:sld xmlns:a="http://schemas.openxmlformats.org/drawingml/2006/main" xmlns:r="http://schemas.openxmlformats.org/officeDocument/2006/relationships" xmlns:p="http://schemas.openxmlformats.org/presentationml/2006/main">
+  <p:cSld>
+    <p:spTree>
+      <p:nvGrpSpPr>
+        <p:cNvPr id="1" name=""/>
+        <p:cNvGrpSpPr/>
+        <p:nvPr/>
+      </p:nvGrpSpPr>
+      <p:grpSpPr>
+        <a:xfrm>
+          <a:off x="0" y="0"/>
+          <a:ext cx="0" cy="0"/>
+          <a:chOff x="0" y="0"/>
+          <a:chExt cx="0" cy="0"/>
+        </a:xfrm>
+      </p:grpSpPr>
+      <p:sp>
+        <p:nvSpPr>
+          <p:cNvPr id="3" name="Content Placeholder 2">
+            <a:extLst>
+              <a:ext uri="{FF2B5EF4-FFF2-40B4-BE49-F238E27FC236}">
+                <a16:creationId xmlns:a16="http://schemas.microsoft.com/office/drawing/2014/main" id="{70BB4104-CF09-BE8C-07B5-F7C090E6171B}"/>
+              </a:ext>
+            </a:extLst>
+          </p:cNvPr>
+          <p:cNvSpPr>
+            <a:spLocks noGrp="1"/>
+          </p:cNvSpPr>
+          <p:nvPr>
+            <p:ph idx="1"/>
+          </p:nvPr>
+        </p:nvSpPr>
+        <p:spPr>
+          <a:xfrm>
+            <a:off x="838200" y="363794"/>
+            <a:ext cx="10515600" cy="5813169"/>
+          </a:xfrm>
+        </p:spPr>
+        <p:txBody>
+          <a:bodyPr>
+            <a:normAutofit/>
+          </a:bodyPr>
+          <a:lstStyle/>
+          <a:p>
+            <a:pPr marL="0" indent="0">
+              <a:buNone/>
+            </a:pPr>
+            <a:r>
+              <a:rPr lang="en-CA" sz="4400" dirty="0"/>
+              <a:t>A very simple, but effective solution is just stop the moving object. </a:t>
+            </a:r>
+          </a:p>
+          <a:p>
+            <a:pPr marL="0" indent="0">
+              <a:buNone/>
+            </a:pPr>
+            <a:r>
+              <a:rPr lang="en-CA" sz="4400" dirty="0"/>
+              <a:t>This will mimic a large, heavy “soft” object that hits something but doesn’t bounce off. </a:t>
+            </a:r>
+          </a:p>
+          <a:p>
+            <a:endParaRPr lang="en-CA" sz="4400" dirty="0"/>
+          </a:p>
+        </p:txBody>
+      </p:sp>
+    </p:spTree>
+    <p:extLst>
+      <p:ext uri="{BB962C8B-B14F-4D97-AF65-F5344CB8AC3E}">
+        <p14:creationId xmlns:p14="http://schemas.microsoft.com/office/powerpoint/2010/main" val="1207581847"/>
+      </p:ext>
+    </p:extLst>
+  </p:cSld>
+  <p:clrMapOvr>
+    <a:masterClrMapping/>
+  </p:clrMapOvr>
+</p:sld>
+</file>
+
+<file path=ppt/slides/slide12.xml><?xml version="1.0" encoding="utf-8"?>
+<p:sld xmlns:a="http://schemas.openxmlformats.org/drawingml/2006/main" xmlns:r="http://schemas.openxmlformats.org/officeDocument/2006/relationships" xmlns:p="http://schemas.openxmlformats.org/presentationml/2006/main">
+  <p:cSld>
+    <p:spTree>
+      <p:nvGrpSpPr>
+        <p:cNvPr id="1" name=""/>
+        <p:cNvGrpSpPr/>
+        <p:nvPr/>
+      </p:nvGrpSpPr>
+      <p:grpSpPr>
+        <a:xfrm>
+          <a:off x="0" y="0"/>
+          <a:ext cx="0" cy="0"/>
+          <a:chOff x="0" y="0"/>
+          <a:chExt cx="0" cy="0"/>
+        </a:xfrm>
+      </p:grpSpPr>
+      <p:sp>
+        <p:nvSpPr>
+          <p:cNvPr id="3" name="Content Placeholder 2">
+            <a:extLst>
+              <a:ext uri="{FF2B5EF4-FFF2-40B4-BE49-F238E27FC236}">
+                <a16:creationId xmlns:a16="http://schemas.microsoft.com/office/drawing/2014/main" id="{70BB4104-CF09-BE8C-07B5-F7C090E6171B}"/>
+              </a:ext>
+            </a:extLst>
+          </p:cNvPr>
+          <p:cNvSpPr>
+            <a:spLocks noGrp="1"/>
+          </p:cNvSpPr>
+          <p:nvPr>
+            <p:ph idx="1"/>
+          </p:nvPr>
+        </p:nvSpPr>
+        <p:spPr>
+          <a:xfrm>
+            <a:off x="838200" y="363794"/>
+            <a:ext cx="10515600" cy="5813169"/>
+          </a:xfrm>
+        </p:spPr>
+        <p:txBody>
+          <a:bodyPr>
+            <a:normAutofit/>
+          </a:bodyPr>
+          <a:lstStyle/>
+          <a:p>
+            <a:pPr marL="0" indent="0">
+              <a:buNone/>
+            </a:pPr>
+            <a:r>
+              <a:rPr lang="en-CA" sz="4400" dirty="0"/>
+              <a:t>Controlling the “motion” of objects.</a:t>
+            </a:r>
+          </a:p>
+          <a:p>
+            <a:pPr marL="0" indent="0">
+              <a:buNone/>
+            </a:pPr>
+            <a:r>
+              <a:rPr lang="en-CA" sz="4400" dirty="0"/>
+              <a:t>Be careful about “just setting” the position of the object. </a:t>
+            </a:r>
+          </a:p>
+          <a:p>
+            <a:pPr marL="0" indent="0">
+              <a:buNone/>
+            </a:pPr>
+            <a:r>
+              <a:rPr lang="en-CA" sz="4400" dirty="0"/>
+              <a:t>	Move the objects very slightly per frame or not at all.</a:t>
+            </a:r>
+          </a:p>
+          <a:p>
+            <a:pPr marL="0" indent="0">
+              <a:buNone/>
+            </a:pPr>
+            <a:r>
+              <a:rPr lang="en-CA" sz="4400" dirty="0"/>
+              <a:t>Or you want to “nudge” them:</a:t>
+            </a:r>
+          </a:p>
+          <a:p>
+            <a:pPr marL="0" indent="0">
+              <a:buNone/>
+            </a:pPr>
+            <a:r>
+              <a:rPr lang="en-CA" sz="4400" dirty="0"/>
+              <a:t>Apply a “force” to them: which is really an acceleration on one (or a few) frames.</a:t>
+            </a:r>
+          </a:p>
+          <a:p>
+            <a:endParaRPr lang="en-CA" sz="4400" dirty="0"/>
+          </a:p>
+        </p:txBody>
+      </p:sp>
+    </p:spTree>
+    <p:extLst>
+      <p:ext uri="{BB962C8B-B14F-4D97-AF65-F5344CB8AC3E}">
+        <p14:creationId xmlns:p14="http://schemas.microsoft.com/office/powerpoint/2010/main" val="2922509710"/>
+      </p:ext>
+    </p:extLst>
+  </p:cSld>
+  <p:clrMapOvr>
+    <a:masterClrMapping/>
+  </p:clrMapOvr>
+</p:sld>
+</file>
+
+<file path=ppt/slides/slide13.xml><?xml version="1.0" encoding="utf-8"?>
+<p:sld xmlns:a="http://schemas.openxmlformats.org/drawingml/2006/main" xmlns:r="http://schemas.openxmlformats.org/officeDocument/2006/relationships" xmlns:p="http://schemas.openxmlformats.org/presentationml/2006/main">
+  <p:cSld>
+    <p:spTree>
+      <p:nvGrpSpPr>
+        <p:cNvPr id="1" name=""/>
+        <p:cNvGrpSpPr/>
+        <p:nvPr/>
+      </p:nvGrpSpPr>
+      <p:grpSpPr>
+        <a:xfrm>
+          <a:off x="0" y="0"/>
+          <a:ext cx="0" cy="0"/>
+          <a:chOff x="0" y="0"/>
+          <a:chExt cx="0" cy="0"/>
+        </a:xfrm>
+      </p:grpSpPr>
+      <p:sp>
+        <p:nvSpPr>
+          <p:cNvPr id="9" name="Oval 8">
+            <a:extLst>
+              <a:ext uri="{FF2B5EF4-FFF2-40B4-BE49-F238E27FC236}">
+                <a16:creationId xmlns:a16="http://schemas.microsoft.com/office/drawing/2014/main" id="{AB22337C-03DD-258F-64E8-DC942021DC53}"/>
+              </a:ext>
+            </a:extLst>
+          </p:cNvPr>
+          <p:cNvSpPr/>
+          <p:nvPr/>
+        </p:nvSpPr>
+        <p:spPr>
+          <a:xfrm>
+            <a:off x="1415845" y="403122"/>
+            <a:ext cx="2625213" cy="2566220"/>
+          </a:xfrm>
+          <a:prstGeom prst="ellipse">
+            <a:avLst/>
+          </a:prstGeom>
+        </p:spPr>
+        <p:style>
+          <a:lnRef idx="2">
+            <a:schemeClr val="accent1">
+              <a:shade val="15000"/>
+            </a:schemeClr>
+          </a:lnRef>
+          <a:fillRef idx="1">
+            <a:schemeClr val="accent1"/>
+          </a:fillRef>
+          <a:effectRef idx="0">
+            <a:schemeClr val="accent1"/>
+          </a:effectRef>
+          <a:fontRef idx="minor">
+            <a:schemeClr val="lt1"/>
+          </a:fontRef>
+        </p:style>
+        <p:txBody>
+          <a:bodyPr rtlCol="0" anchor="ctr"/>
+          <a:lstStyle/>
+          <a:p>
+            <a:pPr algn="ctr"/>
+            <a:endParaRPr lang="en-CA"/>
+          </a:p>
+        </p:txBody>
+      </p:sp>
+      <p:sp>
+        <p:nvSpPr>
+          <p:cNvPr id="10" name="Oval 9">
+            <a:extLst>
+              <a:ext uri="{FF2B5EF4-FFF2-40B4-BE49-F238E27FC236}">
+                <a16:creationId xmlns:a16="http://schemas.microsoft.com/office/drawing/2014/main" id="{1BF63238-F456-CCCA-E131-5D30C888E0A2}"/>
+              </a:ext>
+            </a:extLst>
+          </p:cNvPr>
+          <p:cNvSpPr/>
+          <p:nvPr/>
+        </p:nvSpPr>
+        <p:spPr>
+          <a:xfrm>
+            <a:off x="5004619" y="2625213"/>
+            <a:ext cx="2625213" cy="2566220"/>
+          </a:xfrm>
+          <a:prstGeom prst="ellipse">
+            <a:avLst/>
+          </a:prstGeom>
+        </p:spPr>
+        <p:style>
+          <a:lnRef idx="1">
+            <a:schemeClr val="accent6"/>
+          </a:lnRef>
+          <a:fillRef idx="2">
+            <a:schemeClr val="accent6"/>
+          </a:fillRef>
+          <a:effectRef idx="1">
+            <a:schemeClr val="accent6"/>
+          </a:effectRef>
+          <a:fontRef idx="minor">
+            <a:schemeClr val="dk1"/>
+          </a:fontRef>
+        </p:style>
+        <p:txBody>
+          <a:bodyPr rtlCol="0" anchor="ctr"/>
+          <a:lstStyle/>
+          <a:p>
+            <a:pPr algn="ctr"/>
+            <a:endParaRPr lang="en-CA"/>
+          </a:p>
+        </p:txBody>
+      </p:sp>
+      <p:cxnSp>
+        <p:nvCxnSpPr>
+          <p:cNvPr id="12" name="Straight Arrow Connector 11">
+            <a:extLst>
+              <a:ext uri="{FF2B5EF4-FFF2-40B4-BE49-F238E27FC236}">
+                <a16:creationId xmlns:a16="http://schemas.microsoft.com/office/drawing/2014/main" id="{1B421892-B8E6-19AD-EE7F-02AAB94B0C8C}"/>
+              </a:ext>
+            </a:extLst>
+          </p:cNvPr>
+          <p:cNvCxnSpPr>
+            <a:cxnSpLocks/>
+          </p:cNvCxnSpPr>
+          <p:nvPr/>
+        </p:nvCxnSpPr>
+        <p:spPr>
+          <a:xfrm>
+            <a:off x="2783758" y="1789471"/>
+            <a:ext cx="3609667" cy="2118852"/>
+          </a:xfrm>
+          <a:prstGeom prst="straightConnector1">
+            <a:avLst/>
+          </a:prstGeom>
+          <a:ln>
+            <a:tailEnd type="triangle"/>
+          </a:ln>
+        </p:spPr>
+        <p:style>
+          <a:lnRef idx="2">
+            <a:schemeClr val="accent4"/>
+          </a:lnRef>
+          <a:fillRef idx="0">
+            <a:schemeClr val="accent4"/>
+          </a:fillRef>
+          <a:effectRef idx="1">
+            <a:schemeClr val="accent4"/>
+          </a:effectRef>
+          <a:fontRef idx="minor">
+            <a:schemeClr val="tx1"/>
+          </a:fontRef>
+        </p:style>
+      </p:cxnSp>
+      <p:sp>
+        <p:nvSpPr>
+          <p:cNvPr id="8" name="Rectangle 7">
+            <a:extLst>
+              <a:ext uri="{FF2B5EF4-FFF2-40B4-BE49-F238E27FC236}">
+                <a16:creationId xmlns:a16="http://schemas.microsoft.com/office/drawing/2014/main" id="{CA83252B-CCFE-0F2C-A969-9E8BD9DC6B04}"/>
+              </a:ext>
+            </a:extLst>
+          </p:cNvPr>
+          <p:cNvSpPr/>
+          <p:nvPr/>
+        </p:nvSpPr>
+        <p:spPr>
+          <a:xfrm>
+            <a:off x="2281084" y="3126658"/>
+            <a:ext cx="8072284" cy="403123"/>
+          </a:xfrm>
+          <a:prstGeom prst="rect">
+            <a:avLst/>
+          </a:prstGeom>
+        </p:spPr>
+        <p:style>
+          <a:lnRef idx="2">
+            <a:schemeClr val="accent1">
+              <a:shade val="15000"/>
+            </a:schemeClr>
+          </a:lnRef>
+          <a:fillRef idx="1">
+            <a:schemeClr val="accent1"/>
+          </a:fillRef>
+          <a:effectRef idx="0">
+            <a:schemeClr val="accent1"/>
+          </a:effectRef>
+          <a:fontRef idx="minor">
+            <a:schemeClr val="lt1"/>
+          </a:fontRef>
+        </p:style>
+        <p:txBody>
+          <a:bodyPr rtlCol="0" anchor="ctr"/>
+          <a:lstStyle/>
+          <a:p>
+            <a:pPr algn="ctr"/>
+            <a:endParaRPr lang="en-CA"/>
+          </a:p>
+        </p:txBody>
+      </p:sp>
+      <p:cxnSp>
+        <p:nvCxnSpPr>
+          <p:cNvPr id="15" name="Straight Arrow Connector 14">
+            <a:extLst>
+              <a:ext uri="{FF2B5EF4-FFF2-40B4-BE49-F238E27FC236}">
+                <a16:creationId xmlns:a16="http://schemas.microsoft.com/office/drawing/2014/main" id="{7801DD24-A514-3FAF-BCB5-E549165AE743}"/>
+              </a:ext>
+            </a:extLst>
+          </p:cNvPr>
+          <p:cNvCxnSpPr>
+            <a:cxnSpLocks/>
+          </p:cNvCxnSpPr>
+          <p:nvPr/>
+        </p:nvCxnSpPr>
+        <p:spPr>
+          <a:xfrm flipV="1">
+            <a:off x="6393425" y="3328219"/>
+            <a:ext cx="3457268" cy="580104"/>
+          </a:xfrm>
+          <a:prstGeom prst="straightConnector1">
+            <a:avLst/>
+          </a:prstGeom>
+          <a:ln>
+            <a:tailEnd type="triangle"/>
+          </a:ln>
+        </p:spPr>
+        <p:style>
+          <a:lnRef idx="2">
+            <a:schemeClr val="accent4"/>
+          </a:lnRef>
+          <a:fillRef idx="0">
+            <a:schemeClr val="accent4"/>
+          </a:fillRef>
+          <a:effectRef idx="1">
+            <a:schemeClr val="accent4"/>
+          </a:effectRef>
+          <a:fontRef idx="minor">
+            <a:schemeClr val="tx1"/>
+          </a:fontRef>
+        </p:style>
+      </p:cxnSp>
+      <p:cxnSp>
+        <p:nvCxnSpPr>
+          <p:cNvPr id="18" name="Straight Arrow Connector 17">
+            <a:extLst>
+              <a:ext uri="{FF2B5EF4-FFF2-40B4-BE49-F238E27FC236}">
+                <a16:creationId xmlns:a16="http://schemas.microsoft.com/office/drawing/2014/main" id="{BA717529-7C66-4A87-5121-786C5D023016}"/>
+              </a:ext>
+            </a:extLst>
+          </p:cNvPr>
+          <p:cNvCxnSpPr>
+            <a:cxnSpLocks/>
+          </p:cNvCxnSpPr>
+          <p:nvPr/>
+        </p:nvCxnSpPr>
+        <p:spPr>
+          <a:xfrm flipV="1">
+            <a:off x="2794205" y="1189704"/>
+            <a:ext cx="3457268" cy="580104"/>
+          </a:xfrm>
+          <a:prstGeom prst="straightConnector1">
+            <a:avLst/>
+          </a:prstGeom>
+          <a:ln>
+            <a:tailEnd type="triangle"/>
+          </a:ln>
+        </p:spPr>
+        <p:style>
+          <a:lnRef idx="2">
+            <a:schemeClr val="accent4"/>
+          </a:lnRef>
+          <a:fillRef idx="0">
+            <a:schemeClr val="accent4"/>
+          </a:fillRef>
+          <a:effectRef idx="1">
+            <a:schemeClr val="accent4"/>
+          </a:effectRef>
+          <a:fontRef idx="minor">
+            <a:schemeClr val="tx1"/>
+          </a:fontRef>
+        </p:style>
+      </p:cxnSp>
+    </p:spTree>
+    <p:extLst>
+      <p:ext uri="{BB962C8B-B14F-4D97-AF65-F5344CB8AC3E}">
+        <p14:creationId xmlns:p14="http://schemas.microsoft.com/office/powerpoint/2010/main" val="867917744"/>
+      </p:ext>
+    </p:extLst>
+  </p:cSld>
+  <p:clrMapOvr>
+    <a:masterClrMapping/>
+  </p:clrMapOvr>
+</p:sld>
+</file>
+
+<file path=ppt/slides/slide14.xml><?xml version="1.0" encoding="utf-8"?>
+<p:sld xmlns:a="http://schemas.openxmlformats.org/drawingml/2006/main" xmlns:r="http://schemas.openxmlformats.org/officeDocument/2006/relationships" xmlns:p="http://schemas.openxmlformats.org/presentationml/2006/main">
+  <p:cSld>
+    <p:spTree>
+      <p:nvGrpSpPr>
+        <p:cNvPr id="1" name=""/>
+        <p:cNvGrpSpPr/>
+        <p:nvPr/>
+      </p:nvGrpSpPr>
+      <p:grpSpPr>
+        <a:xfrm>
+          <a:off x="0" y="0"/>
+          <a:ext cx="0" cy="0"/>
+          <a:chOff x="0" y="0"/>
+          <a:chExt cx="0" cy="0"/>
+        </a:xfrm>
+      </p:grpSpPr>
+      <p:sp>
+        <p:nvSpPr>
+          <p:cNvPr id="3" name="Oval 2">
+            <a:extLst>
+              <a:ext uri="{FF2B5EF4-FFF2-40B4-BE49-F238E27FC236}">
+                <a16:creationId xmlns:a16="http://schemas.microsoft.com/office/drawing/2014/main" id="{492563CB-71C4-21FA-1522-1B3BE4201891}"/>
+              </a:ext>
+            </a:extLst>
+          </p:cNvPr>
+          <p:cNvSpPr/>
+          <p:nvPr/>
+        </p:nvSpPr>
+        <p:spPr>
+          <a:xfrm>
+            <a:off x="3834580" y="2145890"/>
+            <a:ext cx="2625213" cy="2566220"/>
+          </a:xfrm>
+          <a:prstGeom prst="ellipse">
+            <a:avLst/>
+          </a:prstGeom>
+        </p:spPr>
+        <p:style>
+          <a:lnRef idx="1">
+            <a:schemeClr val="accent4"/>
+          </a:lnRef>
+          <a:fillRef idx="3">
+            <a:schemeClr val="accent4"/>
+          </a:fillRef>
+          <a:effectRef idx="2">
+            <a:schemeClr val="accent4"/>
+          </a:effectRef>
+          <a:fontRef idx="minor">
+            <a:schemeClr val="lt1"/>
+          </a:fontRef>
+        </p:style>
+        <p:txBody>
+          <a:bodyPr rtlCol="0" anchor="ctr"/>
+          <a:lstStyle/>
+          <a:p>
+            <a:pPr algn="ctr"/>
+            <a:endParaRPr lang="en-CA"/>
+          </a:p>
+        </p:txBody>
+      </p:sp>
+      <p:sp>
+        <p:nvSpPr>
+          <p:cNvPr id="9" name="Oval 8">
+            <a:extLst>
+              <a:ext uri="{FF2B5EF4-FFF2-40B4-BE49-F238E27FC236}">
+                <a16:creationId xmlns:a16="http://schemas.microsoft.com/office/drawing/2014/main" id="{AB22337C-03DD-258F-64E8-DC942021DC53}"/>
+              </a:ext>
+            </a:extLst>
+          </p:cNvPr>
+          <p:cNvSpPr/>
+          <p:nvPr/>
+        </p:nvSpPr>
+        <p:spPr>
+          <a:xfrm>
+            <a:off x="1415845" y="403122"/>
+            <a:ext cx="2625213" cy="2566220"/>
+          </a:xfrm>
+          <a:prstGeom prst="ellipse">
+            <a:avLst/>
+          </a:prstGeom>
+        </p:spPr>
+        <p:style>
+          <a:lnRef idx="2">
+            <a:schemeClr val="accent1">
+              <a:shade val="15000"/>
+            </a:schemeClr>
+          </a:lnRef>
+          <a:fillRef idx="1">
+            <a:schemeClr val="accent1"/>
+          </a:fillRef>
+          <a:effectRef idx="0">
+            <a:schemeClr val="accent1"/>
+          </a:effectRef>
+          <a:fontRef idx="minor">
+            <a:schemeClr val="lt1"/>
+          </a:fontRef>
+        </p:style>
+        <p:txBody>
+          <a:bodyPr rtlCol="0" anchor="ctr"/>
+          <a:lstStyle/>
+          <a:p>
+            <a:pPr algn="ctr"/>
+            <a:endParaRPr lang="en-CA"/>
+          </a:p>
+        </p:txBody>
+      </p:sp>
+      <p:sp>
+        <p:nvSpPr>
+          <p:cNvPr id="10" name="Oval 9">
+            <a:extLst>
+              <a:ext uri="{FF2B5EF4-FFF2-40B4-BE49-F238E27FC236}">
+                <a16:creationId xmlns:a16="http://schemas.microsoft.com/office/drawing/2014/main" id="{1BF63238-F456-CCCA-E131-5D30C888E0A2}"/>
+              </a:ext>
+            </a:extLst>
+          </p:cNvPr>
+          <p:cNvSpPr/>
+          <p:nvPr/>
+        </p:nvSpPr>
+        <p:spPr>
+          <a:xfrm>
+            <a:off x="7044813" y="4578142"/>
+            <a:ext cx="2625213" cy="2566220"/>
+          </a:xfrm>
+          <a:prstGeom prst="ellipse">
+            <a:avLst/>
+          </a:prstGeom>
+        </p:spPr>
+        <p:style>
+          <a:lnRef idx="1">
+            <a:schemeClr val="accent6"/>
+          </a:lnRef>
+          <a:fillRef idx="2">
+            <a:schemeClr val="accent6"/>
+          </a:fillRef>
+          <a:effectRef idx="1">
+            <a:schemeClr val="accent6"/>
+          </a:effectRef>
+          <a:fontRef idx="minor">
+            <a:schemeClr val="dk1"/>
+          </a:fontRef>
+        </p:style>
+        <p:txBody>
+          <a:bodyPr rtlCol="0" anchor="ctr"/>
+          <a:lstStyle/>
+          <a:p>
+            <a:pPr algn="ctr"/>
+            <a:endParaRPr lang="en-CA"/>
+          </a:p>
+        </p:txBody>
+      </p:sp>
+      <p:cxnSp>
+        <p:nvCxnSpPr>
+          <p:cNvPr id="12" name="Straight Arrow Connector 11">
+            <a:extLst>
+              <a:ext uri="{FF2B5EF4-FFF2-40B4-BE49-F238E27FC236}">
+                <a16:creationId xmlns:a16="http://schemas.microsoft.com/office/drawing/2014/main" id="{1B421892-B8E6-19AD-EE7F-02AAB94B0C8C}"/>
+              </a:ext>
+            </a:extLst>
+          </p:cNvPr>
+          <p:cNvCxnSpPr>
+            <a:cxnSpLocks/>
+          </p:cNvCxnSpPr>
+          <p:nvPr/>
+        </p:nvCxnSpPr>
+        <p:spPr>
+          <a:xfrm>
+            <a:off x="2783758" y="1789471"/>
+            <a:ext cx="5573661" cy="3894800"/>
+          </a:xfrm>
+          <a:prstGeom prst="straightConnector1">
+            <a:avLst/>
+          </a:prstGeom>
+          <a:ln>
+            <a:tailEnd type="triangle"/>
+          </a:ln>
+        </p:spPr>
+        <p:style>
+          <a:lnRef idx="2">
+            <a:schemeClr val="accent4"/>
+          </a:lnRef>
+          <a:fillRef idx="0">
+            <a:schemeClr val="accent4"/>
+          </a:fillRef>
+          <a:effectRef idx="1">
+            <a:schemeClr val="accent4"/>
+          </a:effectRef>
+          <a:fontRef idx="minor">
+            <a:schemeClr val="tx1"/>
+          </a:fontRef>
+        </p:style>
+      </p:cxnSp>
+      <p:sp>
+        <p:nvSpPr>
+          <p:cNvPr id="8" name="Rectangle 7">
+            <a:extLst>
+              <a:ext uri="{FF2B5EF4-FFF2-40B4-BE49-F238E27FC236}">
+                <a16:creationId xmlns:a16="http://schemas.microsoft.com/office/drawing/2014/main" id="{CA83252B-CCFE-0F2C-A969-9E8BD9DC6B04}"/>
+              </a:ext>
+            </a:extLst>
+          </p:cNvPr>
+          <p:cNvSpPr/>
+          <p:nvPr/>
+        </p:nvSpPr>
+        <p:spPr>
+          <a:xfrm>
+            <a:off x="1597742" y="3864079"/>
+            <a:ext cx="8072284" cy="403123"/>
+          </a:xfrm>
+          <a:prstGeom prst="rect">
+            <a:avLst/>
+          </a:prstGeom>
+        </p:spPr>
+        <p:style>
+          <a:lnRef idx="2">
+            <a:schemeClr val="accent1">
+              <a:shade val="15000"/>
+            </a:schemeClr>
+          </a:lnRef>
+          <a:fillRef idx="1">
+            <a:schemeClr val="accent1"/>
+          </a:fillRef>
+          <a:effectRef idx="0">
+            <a:schemeClr val="accent1"/>
+          </a:effectRef>
+          <a:fontRef idx="minor">
+            <a:schemeClr val="lt1"/>
+          </a:fontRef>
+        </p:style>
+        <p:txBody>
+          <a:bodyPr rtlCol="0" anchor="ctr"/>
+          <a:lstStyle/>
+          <a:p>
+            <a:pPr algn="ctr"/>
+            <a:endParaRPr lang="en-CA"/>
+          </a:p>
+        </p:txBody>
+      </p:sp>
+      <p:cxnSp>
+        <p:nvCxnSpPr>
+          <p:cNvPr id="15" name="Straight Arrow Connector 14">
+            <a:extLst>
+              <a:ext uri="{FF2B5EF4-FFF2-40B4-BE49-F238E27FC236}">
+                <a16:creationId xmlns:a16="http://schemas.microsoft.com/office/drawing/2014/main" id="{7801DD24-A514-3FAF-BCB5-E549165AE743}"/>
+              </a:ext>
+            </a:extLst>
+          </p:cNvPr>
+          <p:cNvCxnSpPr>
+            <a:cxnSpLocks/>
+          </p:cNvCxnSpPr>
+          <p:nvPr/>
+        </p:nvCxnSpPr>
+        <p:spPr>
+          <a:xfrm flipV="1">
+            <a:off x="6393425" y="3328219"/>
+            <a:ext cx="3457268" cy="580104"/>
+          </a:xfrm>
+          <a:prstGeom prst="straightConnector1">
+            <a:avLst/>
+          </a:prstGeom>
+          <a:ln>
+            <a:tailEnd type="triangle"/>
+          </a:ln>
+        </p:spPr>
+        <p:style>
+          <a:lnRef idx="2">
+            <a:schemeClr val="accent4"/>
+          </a:lnRef>
+          <a:fillRef idx="0">
+            <a:schemeClr val="accent4"/>
+          </a:fillRef>
+          <a:effectRef idx="1">
+            <a:schemeClr val="accent4"/>
+          </a:effectRef>
+          <a:fontRef idx="minor">
+            <a:schemeClr val="tx1"/>
+          </a:fontRef>
+        </p:style>
+      </p:cxnSp>
+      <p:cxnSp>
+        <p:nvCxnSpPr>
+          <p:cNvPr id="18" name="Straight Arrow Connector 17">
+            <a:extLst>
+              <a:ext uri="{FF2B5EF4-FFF2-40B4-BE49-F238E27FC236}">
+                <a16:creationId xmlns:a16="http://schemas.microsoft.com/office/drawing/2014/main" id="{BA717529-7C66-4A87-5121-786C5D023016}"/>
+              </a:ext>
+            </a:extLst>
+          </p:cNvPr>
+          <p:cNvCxnSpPr>
+            <a:cxnSpLocks/>
+          </p:cNvCxnSpPr>
+          <p:nvPr/>
+        </p:nvCxnSpPr>
+        <p:spPr>
+          <a:xfrm flipV="1">
+            <a:off x="2794205" y="1189704"/>
+            <a:ext cx="3457268" cy="580104"/>
+          </a:xfrm>
+          <a:prstGeom prst="straightConnector1">
+            <a:avLst/>
+          </a:prstGeom>
+          <a:ln>
+            <a:tailEnd type="triangle"/>
+          </a:ln>
+        </p:spPr>
+        <p:style>
+          <a:lnRef idx="2">
+            <a:schemeClr val="accent4"/>
+          </a:lnRef>
+          <a:fillRef idx="0">
+            <a:schemeClr val="accent4"/>
+          </a:fillRef>
+          <a:effectRef idx="1">
+            <a:schemeClr val="accent4"/>
+          </a:effectRef>
+          <a:fontRef idx="minor">
+            <a:schemeClr val="tx1"/>
+          </a:fontRef>
+        </p:style>
+      </p:cxnSp>
+      <p:sp>
+        <p:nvSpPr>
+          <p:cNvPr id="4" name="Oval 3">
+            <a:extLst>
+              <a:ext uri="{FF2B5EF4-FFF2-40B4-BE49-F238E27FC236}">
+                <a16:creationId xmlns:a16="http://schemas.microsoft.com/office/drawing/2014/main" id="{3B27F1E3-1EA5-F50B-6119-9545450B2089}"/>
+              </a:ext>
+            </a:extLst>
+          </p:cNvPr>
+          <p:cNvSpPr/>
+          <p:nvPr/>
+        </p:nvSpPr>
+        <p:spPr>
+          <a:xfrm>
+            <a:off x="2546555" y="1173729"/>
+            <a:ext cx="2625213" cy="2566220"/>
+          </a:xfrm>
+          <a:prstGeom prst="ellipse">
+            <a:avLst/>
+          </a:prstGeom>
+        </p:spPr>
+        <p:style>
+          <a:lnRef idx="1">
+            <a:schemeClr val="accent4"/>
+          </a:lnRef>
+          <a:fillRef idx="3">
+            <a:schemeClr val="accent4"/>
+          </a:fillRef>
+          <a:effectRef idx="2">
+            <a:schemeClr val="accent4"/>
+          </a:effectRef>
+          <a:fontRef idx="minor">
+            <a:schemeClr val="lt1"/>
+          </a:fontRef>
+        </p:style>
+        <p:txBody>
+          <a:bodyPr rtlCol="0" anchor="ctr"/>
+          <a:lstStyle/>
+          <a:p>
+            <a:pPr algn="ctr"/>
+            <a:endParaRPr lang="en-CA"/>
+          </a:p>
+        </p:txBody>
+      </p:sp>
+    </p:spTree>
+    <p:extLst>
+      <p:ext uri="{BB962C8B-B14F-4D97-AF65-F5344CB8AC3E}">
+        <p14:creationId xmlns:p14="http://schemas.microsoft.com/office/powerpoint/2010/main" val="112238114"/>
+      </p:ext>
+    </p:extLst>
+  </p:cSld>
+  <p:clrMapOvr>
+    <a:masterClrMapping/>
+  </p:clrMapOvr>
+</p:sld>
+</file>
+
+<file path=ppt/slides/slide15.xml><?xml version="1.0" encoding="utf-8"?>
+<p:sld xmlns:a="http://schemas.openxmlformats.org/drawingml/2006/main" xmlns:r="http://schemas.openxmlformats.org/officeDocument/2006/relationships" xmlns:p="http://schemas.openxmlformats.org/presentationml/2006/main">
+  <p:cSld>
+    <p:spTree>
+      <p:nvGrpSpPr>
+        <p:cNvPr id="1" name=""/>
+        <p:cNvGrpSpPr/>
+        <p:nvPr/>
+      </p:nvGrpSpPr>
+      <p:grpSpPr>
+        <a:xfrm>
+          <a:off x="0" y="0"/>
+          <a:ext cx="0" cy="0"/>
+          <a:chOff x="0" y="0"/>
+          <a:chExt cx="0" cy="0"/>
+        </a:xfrm>
+      </p:grpSpPr>
+      <p:sp>
+        <p:nvSpPr>
+          <p:cNvPr id="2" name="Title 1">
+            <a:extLst>
+              <a:ext uri="{FF2B5EF4-FFF2-40B4-BE49-F238E27FC236}">
+                <a16:creationId xmlns:a16="http://schemas.microsoft.com/office/drawing/2014/main" id="{F694397B-DA18-BF71-E75A-C5FEB1A528B4}"/>
+              </a:ext>
+            </a:extLst>
+          </p:cNvPr>
+          <p:cNvSpPr>
+            <a:spLocks noGrp="1"/>
+          </p:cNvSpPr>
+          <p:nvPr>
+            <p:ph type="title"/>
+          </p:nvPr>
+        </p:nvSpPr>
+        <p:spPr>
+          <a:xfrm>
+            <a:off x="294967" y="271948"/>
+            <a:ext cx="11147323" cy="1031927"/>
+          </a:xfrm>
+        </p:spPr>
+        <p:txBody>
+          <a:bodyPr/>
+          <a:lstStyle/>
+          <a:p>
+            <a:r>
+              <a:rPr lang="en-CA" dirty="0"/>
+              <a:t>So what next (for you)?</a:t>
+            </a:r>
+          </a:p>
+        </p:txBody>
+      </p:sp>
+      <p:sp>
+        <p:nvSpPr>
+          <p:cNvPr id="3" name="Content Placeholder 2">
+            <a:extLst>
+              <a:ext uri="{FF2B5EF4-FFF2-40B4-BE49-F238E27FC236}">
+                <a16:creationId xmlns:a16="http://schemas.microsoft.com/office/drawing/2014/main" id="{8735C166-FA47-B43C-DF09-11484EB36F9A}"/>
+              </a:ext>
+            </a:extLst>
+          </p:cNvPr>
+          <p:cNvSpPr>
+            <a:spLocks noGrp="1"/>
+          </p:cNvSpPr>
+          <p:nvPr>
+            <p:ph idx="1"/>
+          </p:nvPr>
+        </p:nvSpPr>
+        <p:spPr>
+          <a:xfrm>
+            <a:off x="216310" y="1402838"/>
+            <a:ext cx="11769213" cy="4667250"/>
+          </a:xfrm>
+        </p:spPr>
+        <p:txBody>
+          <a:bodyPr/>
+          <a:lstStyle/>
+          <a:p>
+            <a:r>
+              <a:rPr lang="en-CA" dirty="0"/>
+              <a:t>Decide what types of collisions you want?</a:t>
+            </a:r>
+          </a:p>
+          <a:p>
+            <a:pPr lvl="1"/>
+            <a:r>
+              <a:rPr lang="en-CA" dirty="0"/>
+              <a:t>Sphere-Triangle  or Capsule-Triangle gets you 99% there.</a:t>
+            </a:r>
+          </a:p>
+          <a:p>
+            <a:pPr lvl="1"/>
+            <a:r>
+              <a:rPr lang="en-CA" dirty="0"/>
+              <a:t>Or plane (sphere-plane)</a:t>
+            </a:r>
+          </a:p>
+          <a:p>
+            <a:r>
+              <a:rPr lang="en-CA" dirty="0"/>
+              <a:t>Decide if and what kind of response you want</a:t>
+            </a:r>
+          </a:p>
+          <a:p>
+            <a:pPr lvl="1"/>
+            <a:r>
+              <a:rPr lang="en-CA" dirty="0"/>
+              <a:t>Easy: Stop the object if it hits something</a:t>
+            </a:r>
+          </a:p>
+          <a:p>
+            <a:pPr lvl="1"/>
+            <a:r>
+              <a:rPr lang="en-CA" dirty="0"/>
+              <a:t>Harder: calculate a response (based on the reflection)</a:t>
+            </a:r>
+          </a:p>
+          <a:p>
+            <a:pPr lvl="1"/>
+            <a:r>
+              <a:rPr lang="en-CA" dirty="0"/>
+              <a:t>Spheres colliding: the direction is based on the line between the centres. Calculate a plane that is perpendicular to that line and use the reflection normal from that plane.</a:t>
+            </a:r>
+          </a:p>
+          <a:p>
+            <a:r>
+              <a:rPr lang="en-CA" dirty="0"/>
+              <a:t>Keep in mind the “response” can be spaceships exploding, etc. </a:t>
+            </a:r>
+          </a:p>
+          <a:p>
+            <a:pPr lvl="1"/>
+            <a:r>
+              <a:rPr lang="en-CA" dirty="0"/>
+              <a:t>That can be mimicked by spheres and triangles colliding</a:t>
+            </a:r>
+          </a:p>
+        </p:txBody>
+      </p:sp>
+    </p:spTree>
+    <p:extLst>
+      <p:ext uri="{BB962C8B-B14F-4D97-AF65-F5344CB8AC3E}">
+        <p14:creationId xmlns:p14="http://schemas.microsoft.com/office/powerpoint/2010/main" val="913541297"/>
+      </p:ext>
+    </p:extLst>
+  </p:cSld>
+  <p:clrMapOvr>
+    <a:masterClrMapping/>
+  </p:clrMapOvr>
+</p:sld>
+</file>
+
+<file path=ppt/slides/slide16.xml><?xml version="1.0" encoding="utf-8"?>
+<p:sld xmlns:a="http://schemas.openxmlformats.org/drawingml/2006/main" xmlns:r="http://schemas.openxmlformats.org/officeDocument/2006/relationships" xmlns:p="http://schemas.openxmlformats.org/presentationml/2006/main">
+  <p:cSld>
+    <p:spTree>
+      <p:nvGrpSpPr>
+        <p:cNvPr id="1" name=""/>
+        <p:cNvGrpSpPr/>
+        <p:nvPr/>
+      </p:nvGrpSpPr>
+      <p:grpSpPr>
+        <a:xfrm>
+          <a:off x="0" y="0"/>
+          <a:ext cx="0" cy="0"/>
+          <a:chOff x="0" y="0"/>
+          <a:chExt cx="0" cy="0"/>
+        </a:xfrm>
+      </p:grpSpPr>
+      <p:sp>
+        <p:nvSpPr>
+          <p:cNvPr id="9" name="Oval 8">
+            <a:extLst>
+              <a:ext uri="{FF2B5EF4-FFF2-40B4-BE49-F238E27FC236}">
+                <a16:creationId xmlns:a16="http://schemas.microsoft.com/office/drawing/2014/main" id="{AB22337C-03DD-258F-64E8-DC942021DC53}"/>
+              </a:ext>
+            </a:extLst>
+          </p:cNvPr>
+          <p:cNvSpPr/>
+          <p:nvPr/>
+        </p:nvSpPr>
+        <p:spPr>
+          <a:xfrm>
+            <a:off x="1351935" y="2739299"/>
+            <a:ext cx="2625213" cy="2566220"/>
+          </a:xfrm>
+          <a:prstGeom prst="ellipse">
+            <a:avLst/>
+          </a:prstGeom>
+        </p:spPr>
+        <p:style>
+          <a:lnRef idx="2">
+            <a:schemeClr val="accent1">
+              <a:shade val="15000"/>
+            </a:schemeClr>
+          </a:lnRef>
+          <a:fillRef idx="1">
+            <a:schemeClr val="accent1"/>
+          </a:fillRef>
+          <a:effectRef idx="0">
+            <a:schemeClr val="accent1"/>
+          </a:effectRef>
+          <a:fontRef idx="minor">
+            <a:schemeClr val="lt1"/>
+          </a:fontRef>
+        </p:style>
+        <p:txBody>
+          <a:bodyPr rtlCol="0" anchor="ctr"/>
+          <a:lstStyle/>
+          <a:p>
+            <a:pPr algn="ctr"/>
+            <a:endParaRPr lang="en-CA"/>
+          </a:p>
+        </p:txBody>
+      </p:sp>
+      <p:sp>
+        <p:nvSpPr>
+          <p:cNvPr id="10" name="Oval 9">
+            <a:extLst>
+              <a:ext uri="{FF2B5EF4-FFF2-40B4-BE49-F238E27FC236}">
+                <a16:creationId xmlns:a16="http://schemas.microsoft.com/office/drawing/2014/main" id="{1BF63238-F456-CCCA-E131-5D30C888E0A2}"/>
+              </a:ext>
+            </a:extLst>
+          </p:cNvPr>
+          <p:cNvSpPr/>
+          <p:nvPr/>
+        </p:nvSpPr>
+        <p:spPr>
+          <a:xfrm>
+            <a:off x="3977148" y="2181319"/>
+            <a:ext cx="2625213" cy="2566220"/>
+          </a:xfrm>
+          <a:prstGeom prst="ellipse">
+            <a:avLst/>
+          </a:prstGeom>
+        </p:spPr>
+        <p:style>
+          <a:lnRef idx="1">
+            <a:schemeClr val="accent6"/>
+          </a:lnRef>
+          <a:fillRef idx="2">
+            <a:schemeClr val="accent6"/>
+          </a:fillRef>
+          <a:effectRef idx="1">
+            <a:schemeClr val="accent6"/>
+          </a:effectRef>
+          <a:fontRef idx="minor">
+            <a:schemeClr val="dk1"/>
+          </a:fontRef>
+        </p:style>
+        <p:txBody>
+          <a:bodyPr rtlCol="0" anchor="ctr"/>
+          <a:lstStyle/>
+          <a:p>
+            <a:pPr algn="ctr"/>
+            <a:endParaRPr lang="en-CA"/>
+          </a:p>
+        </p:txBody>
+      </p:sp>
+      <p:cxnSp>
+        <p:nvCxnSpPr>
+          <p:cNvPr id="12" name="Straight Arrow Connector 11">
+            <a:extLst>
+              <a:ext uri="{FF2B5EF4-FFF2-40B4-BE49-F238E27FC236}">
+                <a16:creationId xmlns:a16="http://schemas.microsoft.com/office/drawing/2014/main" id="{1B421892-B8E6-19AD-EE7F-02AAB94B0C8C}"/>
+              </a:ext>
+            </a:extLst>
+          </p:cNvPr>
+          <p:cNvCxnSpPr>
+            <a:cxnSpLocks/>
+          </p:cNvCxnSpPr>
+          <p:nvPr/>
+        </p:nvCxnSpPr>
+        <p:spPr>
+          <a:xfrm flipV="1">
+            <a:off x="2664541" y="3464429"/>
+            <a:ext cx="2780687" cy="557980"/>
+          </a:xfrm>
+          <a:prstGeom prst="straightConnector1">
+            <a:avLst/>
+          </a:prstGeom>
+          <a:ln w="107950">
+            <a:tailEnd type="triangle"/>
+          </a:ln>
+        </p:spPr>
+        <p:style>
+          <a:lnRef idx="2">
+            <a:schemeClr val="accent4"/>
+          </a:lnRef>
+          <a:fillRef idx="0">
+            <a:schemeClr val="accent4"/>
+          </a:fillRef>
+          <a:effectRef idx="1">
+            <a:schemeClr val="accent4"/>
+          </a:effectRef>
+          <a:fontRef idx="minor">
+            <a:schemeClr val="tx1"/>
+          </a:fontRef>
+        </p:style>
+      </p:cxnSp>
+      <p:cxnSp>
+        <p:nvCxnSpPr>
+          <p:cNvPr id="6" name="Straight Arrow Connector 5">
+            <a:extLst>
+              <a:ext uri="{FF2B5EF4-FFF2-40B4-BE49-F238E27FC236}">
+                <a16:creationId xmlns:a16="http://schemas.microsoft.com/office/drawing/2014/main" id="{BF9B01DA-CA0C-E079-AB8F-D3B870681990}"/>
+              </a:ext>
+            </a:extLst>
+          </p:cNvPr>
+          <p:cNvCxnSpPr>
+            <a:cxnSpLocks/>
+          </p:cNvCxnSpPr>
+          <p:nvPr/>
+        </p:nvCxnSpPr>
+        <p:spPr>
+          <a:xfrm flipH="1" flipV="1">
+            <a:off x="3382297" y="1649147"/>
+            <a:ext cx="1160206" cy="4214352"/>
+          </a:xfrm>
+          <a:prstGeom prst="straightConnector1">
+            <a:avLst/>
+          </a:prstGeom>
+          <a:ln w="107950">
+            <a:tailEnd type="triangle"/>
+          </a:ln>
+        </p:spPr>
+        <p:style>
+          <a:lnRef idx="2">
+            <a:schemeClr val="accent4"/>
+          </a:lnRef>
+          <a:fillRef idx="0">
+            <a:schemeClr val="accent4"/>
+          </a:fillRef>
+          <a:effectRef idx="1">
+            <a:schemeClr val="accent4"/>
+          </a:effectRef>
+          <a:fontRef idx="minor">
+            <a:schemeClr val="tx1"/>
+          </a:fontRef>
+        </p:style>
+      </p:cxnSp>
+      <p:cxnSp>
+        <p:nvCxnSpPr>
+          <p:cNvPr id="13" name="Straight Arrow Connector 12">
+            <a:extLst>
+              <a:ext uri="{FF2B5EF4-FFF2-40B4-BE49-F238E27FC236}">
+                <a16:creationId xmlns:a16="http://schemas.microsoft.com/office/drawing/2014/main" id="{6BF264AC-4D44-0063-C322-1CB508603C82}"/>
+              </a:ext>
+            </a:extLst>
+          </p:cNvPr>
+          <p:cNvCxnSpPr>
+            <a:cxnSpLocks/>
+          </p:cNvCxnSpPr>
+          <p:nvPr/>
+        </p:nvCxnSpPr>
+        <p:spPr>
+          <a:xfrm flipH="1">
+            <a:off x="4054884" y="409055"/>
+            <a:ext cx="2517981" cy="3264309"/>
+          </a:xfrm>
+          <a:prstGeom prst="straightConnector1">
+            <a:avLst/>
+          </a:prstGeom>
+          <a:ln w="107950">
+            <a:solidFill>
+              <a:srgbClr val="FF0000"/>
+            </a:solidFill>
+            <a:tailEnd type="triangle"/>
+          </a:ln>
+        </p:spPr>
+        <p:style>
+          <a:lnRef idx="2">
+            <a:schemeClr val="accent4"/>
+          </a:lnRef>
+          <a:fillRef idx="0">
+            <a:schemeClr val="accent4"/>
+          </a:fillRef>
+          <a:effectRef idx="1">
+            <a:schemeClr val="accent4"/>
+          </a:effectRef>
+          <a:fontRef idx="minor">
+            <a:schemeClr val="tx1"/>
+          </a:fontRef>
+        </p:style>
+      </p:cxnSp>
+      <p:cxnSp>
+        <p:nvCxnSpPr>
+          <p:cNvPr id="17" name="Straight Arrow Connector 16">
+            <a:extLst>
+              <a:ext uri="{FF2B5EF4-FFF2-40B4-BE49-F238E27FC236}">
+                <a16:creationId xmlns:a16="http://schemas.microsoft.com/office/drawing/2014/main" id="{B37E91A1-ECC8-EC51-76F1-13F61BBF68F5}"/>
+              </a:ext>
+            </a:extLst>
+          </p:cNvPr>
+          <p:cNvCxnSpPr>
+            <a:cxnSpLocks/>
+          </p:cNvCxnSpPr>
+          <p:nvPr/>
+        </p:nvCxnSpPr>
+        <p:spPr>
+          <a:xfrm>
+            <a:off x="-136654" y="1136642"/>
+            <a:ext cx="4084306" cy="2619681"/>
+          </a:xfrm>
+          <a:prstGeom prst="straightConnector1">
+            <a:avLst/>
+          </a:prstGeom>
+          <a:ln w="107950">
+            <a:solidFill>
+              <a:srgbClr val="FF0000"/>
+            </a:solidFill>
+            <a:tailEnd type="triangle"/>
+          </a:ln>
+        </p:spPr>
+        <p:style>
+          <a:lnRef idx="2">
+            <a:schemeClr val="accent4"/>
+          </a:lnRef>
+          <a:fillRef idx="0">
+            <a:schemeClr val="accent4"/>
+          </a:fillRef>
+          <a:effectRef idx="1">
+            <a:schemeClr val="accent4"/>
+          </a:effectRef>
+          <a:fontRef idx="minor">
+            <a:schemeClr val="tx1"/>
+          </a:fontRef>
+        </p:style>
+      </p:cxnSp>
+      <p:sp>
+        <p:nvSpPr>
+          <p:cNvPr id="22" name="TextBox 21">
+            <a:extLst>
+              <a:ext uri="{FF2B5EF4-FFF2-40B4-BE49-F238E27FC236}">
+                <a16:creationId xmlns:a16="http://schemas.microsoft.com/office/drawing/2014/main" id="{FBB40702-E65A-EFF0-4258-EBEDAFF18504}"/>
+              </a:ext>
+            </a:extLst>
+          </p:cNvPr>
+          <p:cNvSpPr txBox="1"/>
+          <p:nvPr/>
+        </p:nvSpPr>
+        <p:spPr>
+          <a:xfrm>
+            <a:off x="7187381" y="748549"/>
+            <a:ext cx="4473677" cy="3970318"/>
+          </a:xfrm>
+          <a:prstGeom prst="rect">
+            <a:avLst/>
+          </a:prstGeom>
+          <a:noFill/>
+        </p:spPr>
+        <p:txBody>
+          <a:bodyPr wrap="square" rtlCol="0">
+            <a:spAutoFit/>
+          </a:bodyPr>
+          <a:lstStyle/>
+          <a:p>
+            <a:r>
+              <a:rPr lang="en-CA" dirty="0"/>
+              <a:t>Normalize the line between the two centres.</a:t>
+            </a:r>
+          </a:p>
+          <a:p>
+            <a:r>
+              <a:rPr lang="en-CA" dirty="0"/>
+              <a:t>Use GLSL reflect() to calculate the two reflection vectors along the velocity.</a:t>
+            </a:r>
+          </a:p>
+          <a:p>
+            <a:endParaRPr lang="en-CA" dirty="0"/>
+          </a:p>
+          <a:p>
+            <a:r>
+              <a:rPr lang="en-CA" dirty="0"/>
+              <a:t>NOTE: You will need TWO “</a:t>
+            </a:r>
+            <a:r>
+              <a:rPr lang="en-CA" dirty="0" err="1"/>
+              <a:t>normals</a:t>
+            </a:r>
+            <a:r>
+              <a:rPr lang="en-CA" dirty="0"/>
+              <a:t>” because they are facing the opposite way.</a:t>
+            </a:r>
+          </a:p>
+          <a:p>
+            <a:endParaRPr lang="en-CA" dirty="0"/>
+          </a:p>
+          <a:p>
+            <a:r>
+              <a:rPr lang="en-CA" dirty="0"/>
+              <a:t>The new velocity is the “speed” (length of the velocity vectors of each sphere) times this reflection ray. </a:t>
+            </a:r>
+          </a:p>
+          <a:p>
+            <a:endParaRPr lang="en-CA" dirty="0"/>
+          </a:p>
+          <a:p>
+            <a:r>
+              <a:rPr lang="en-CA" dirty="0"/>
+              <a:t>If they spheres are different weights, then the resulting velocity is proportional to the weight ratios. </a:t>
+            </a:r>
+          </a:p>
+        </p:txBody>
+      </p:sp>
+    </p:spTree>
+    <p:extLst>
+      <p:ext uri="{BB962C8B-B14F-4D97-AF65-F5344CB8AC3E}">
+        <p14:creationId xmlns:p14="http://schemas.microsoft.com/office/powerpoint/2010/main" val="1791904891"/>
+      </p:ext>
+    </p:extLst>
+  </p:cSld>
+  <p:clrMapOvr>
+    <a:masterClrMapping/>
+  </p:clrMapOvr>
+</p:sld>
+</file>
+
 <file path=ppt/slides/slide2.xml><?xml version="1.0" encoding="utf-8"?>
 <p:sld xmlns:a="http://schemas.openxmlformats.org/drawingml/2006/main" xmlns:r="http://schemas.openxmlformats.org/officeDocument/2006/relationships" xmlns:p="http://schemas.openxmlformats.org/presentationml/2006/main">
   <p:cSld>
@@ -3828,10 +5301,10 @@
       </p:grpSpPr>
       <p:sp>
         <p:nvSpPr>
-          <p:cNvPr id="4" name="Oval 3">
+          <p:cNvPr id="3" name="Rectangle 2">
             <a:extLst>
               <a:ext uri="{FF2B5EF4-FFF2-40B4-BE49-F238E27FC236}">
-                <a16:creationId xmlns:a16="http://schemas.microsoft.com/office/drawing/2014/main" id="{8BF65F40-1754-E68D-AE88-DF8D9B36CB2C}"/>
+                <a16:creationId xmlns:a16="http://schemas.microsoft.com/office/drawing/2014/main" id="{8DFE287B-0883-980D-907F-781B87BAB762}"/>
               </a:ext>
             </a:extLst>
           </p:cNvPr>
@@ -3840,10 +5313,10 @@
         </p:nvSpPr>
         <p:spPr>
           <a:xfrm>
-            <a:off x="6518787" y="1120877"/>
-            <a:ext cx="2969342" cy="2969342"/>
-          </a:xfrm>
-          <a:prstGeom prst="ellipse">
+            <a:off x="1081548" y="45719"/>
+            <a:ext cx="9983185" cy="6858000"/>
+          </a:xfrm>
+          <a:prstGeom prst="rect">
             <a:avLst/>
           </a:prstGeom>
         </p:spPr>
@@ -3872,48 +5345,59 @@
           </a:p>
         </p:txBody>
       </p:sp>
-      <p:cxnSp>
-        <p:nvCxnSpPr>
-          <p:cNvPr id="6" name="Straight Connector 5">
+      <p:pic>
+        <p:nvPicPr>
+          <p:cNvPr id="1026" name="Picture 2" descr="Capsule (geometry) - Wikipedia">
             <a:extLst>
               <a:ext uri="{FF2B5EF4-FFF2-40B4-BE49-F238E27FC236}">
-                <a16:creationId xmlns:a16="http://schemas.microsoft.com/office/drawing/2014/main" id="{F20DCC5C-32E9-93CD-7AEB-8D9ED84F199F}"/>
+                <a16:creationId xmlns:a16="http://schemas.microsoft.com/office/drawing/2014/main" id="{E5E5DD96-1F03-87AF-8653-900C574DD614}"/>
               </a:ext>
             </a:extLst>
           </p:cNvPr>
-          <p:cNvCxnSpPr/>
+          <p:cNvPicPr>
+            <a:picLocks noChangeAspect="1" noChangeArrowheads="1"/>
+          </p:cNvPicPr>
           <p:nvPr/>
-        </p:nvCxnSpPr>
-        <p:spPr>
+        </p:nvPicPr>
+        <p:blipFill>
+          <a:blip r:embed="rId2">
+            <a:extLst>
+              <a:ext uri="{28A0092B-C50C-407E-A947-70E740481C1C}">
+                <a14:useLocalDpi xmlns:a14="http://schemas.microsoft.com/office/drawing/2010/main" val="0"/>
+              </a:ext>
+            </a:extLst>
+          </a:blip>
+          <a:srcRect/>
+          <a:stretch>
+            <a:fillRect/>
+          </a:stretch>
+        </p:blipFill>
+        <p:spPr bwMode="auto">
           <a:xfrm>
-            <a:off x="8082116" y="2713703"/>
-            <a:ext cx="0" cy="0"/>
-          </a:xfrm>
-          <a:prstGeom prst="line">
+            <a:off x="1809750" y="0"/>
+            <a:ext cx="8572500" cy="6858000"/>
+          </a:xfrm>
+          <a:prstGeom prst="rect">
             <a:avLst/>
           </a:prstGeom>
-        </p:spPr>
-        <p:style>
-          <a:lnRef idx="1">
-            <a:schemeClr val="accent1"/>
-          </a:lnRef>
-          <a:fillRef idx="0">
-            <a:schemeClr val="accent1"/>
-          </a:fillRef>
-          <a:effectRef idx="0">
-            <a:schemeClr val="accent1"/>
-          </a:effectRef>
-          <a:fontRef idx="minor">
-            <a:schemeClr val="tx1"/>
-          </a:fontRef>
-        </p:style>
-      </p:cxnSp>
-      <p:sp>
-        <p:nvSpPr>
-          <p:cNvPr id="7" name="Oval 6">
+          <a:noFill/>
+          <a:extLst>
+            <a:ext uri="{909E8E84-426E-40DD-AFC4-6F175D3DCCD1}">
+              <a14:hiddenFill xmlns:a14="http://schemas.microsoft.com/office/drawing/2010/main">
+                <a:solidFill>
+                  <a:srgbClr val="FFFFFF"/>
+                </a:solidFill>
+              </a14:hiddenFill>
+            </a:ext>
+          </a:extLst>
+        </p:spPr>
+      </p:pic>
+      <p:sp>
+        <p:nvSpPr>
+          <p:cNvPr id="2" name="Oval 1">
             <a:extLst>
               <a:ext uri="{FF2B5EF4-FFF2-40B4-BE49-F238E27FC236}">
-                <a16:creationId xmlns:a16="http://schemas.microsoft.com/office/drawing/2014/main" id="{2D3F273B-01CC-9F6A-1E9D-CBA6FFCA15ED}"/>
+                <a16:creationId xmlns:a16="http://schemas.microsoft.com/office/drawing/2014/main" id="{83E79964-99B2-0F9B-C413-5DFEABABF9A3}"/>
               </a:ext>
             </a:extLst>
           </p:cNvPr>
@@ -3922,8 +5406,8 @@
         </p:nvSpPr>
         <p:spPr>
           <a:xfrm>
-            <a:off x="1356851" y="3224980"/>
-            <a:ext cx="2969342" cy="2969342"/>
+            <a:off x="8955157" y="0"/>
+            <a:ext cx="45719" cy="45719"/>
           </a:xfrm>
           <a:prstGeom prst="ellipse">
             <a:avLst/>
@@ -3954,49 +5438,411 @@
           </a:p>
         </p:txBody>
       </p:sp>
-      <p:cxnSp>
-        <p:nvCxnSpPr>
-          <p:cNvPr id="9" name="Straight Connector 8">
-            <a:extLst>
-              <a:ext uri="{FF2B5EF4-FFF2-40B4-BE49-F238E27FC236}">
-                <a16:creationId xmlns:a16="http://schemas.microsoft.com/office/drawing/2014/main" id="{E6EBE7E4-E509-57BD-EFF5-42D7E27DA0B7}"/>
-              </a:ext>
-            </a:extLst>
-          </p:cNvPr>
-          <p:cNvCxnSpPr>
-            <a:stCxn id="7" idx="1"/>
-            <a:endCxn id="4" idx="1"/>
-          </p:cNvCxnSpPr>
-          <p:nvPr/>
-        </p:nvCxnSpPr>
-        <p:spPr>
-          <a:xfrm flipV="1">
-            <a:off x="1791701" y="1555727"/>
-            <a:ext cx="5161936" cy="2104103"/>
-          </a:xfrm>
-          <a:prstGeom prst="line">
-            <a:avLst/>
-          </a:prstGeom>
-        </p:spPr>
-        <p:style>
-          <a:lnRef idx="1">
-            <a:schemeClr val="accent1"/>
-          </a:lnRef>
-          <a:fillRef idx="0">
-            <a:schemeClr val="accent1"/>
-          </a:fillRef>
-          <a:effectRef idx="0">
-            <a:schemeClr val="accent1"/>
-          </a:effectRef>
-          <a:fontRef idx="minor">
-            <a:schemeClr val="tx1"/>
-          </a:fontRef>
-        </p:style>
-      </p:cxnSp>
     </p:spTree>
     <p:extLst>
       <p:ext uri="{BB962C8B-B14F-4D97-AF65-F5344CB8AC3E}">
         <p14:creationId xmlns:p14="http://schemas.microsoft.com/office/powerpoint/2010/main" val="3742099792"/>
+      </p:ext>
+    </p:extLst>
+  </p:cSld>
+  <p:clrMapOvr>
+    <a:masterClrMapping/>
+  </p:clrMapOvr>
+</p:sld>
+</file>
+
+<file path=ppt/slides/slide7.xml><?xml version="1.0" encoding="utf-8"?>
+<p:sld xmlns:a="http://schemas.openxmlformats.org/drawingml/2006/main" xmlns:r="http://schemas.openxmlformats.org/officeDocument/2006/relationships" xmlns:p="http://schemas.openxmlformats.org/presentationml/2006/main">
+  <p:cSld>
+    <p:spTree>
+      <p:nvGrpSpPr>
+        <p:cNvPr id="1" name=""/>
+        <p:cNvGrpSpPr/>
+        <p:nvPr/>
+      </p:nvGrpSpPr>
+      <p:grpSpPr>
+        <a:xfrm>
+          <a:off x="0" y="0"/>
+          <a:ext cx="0" cy="0"/>
+          <a:chOff x="0" y="0"/>
+          <a:chExt cx="0" cy="0"/>
+        </a:xfrm>
+      </p:grpSpPr>
+      <p:sp>
+        <p:nvSpPr>
+          <p:cNvPr id="2" name="Title 1">
+            <a:extLst>
+              <a:ext uri="{FF2B5EF4-FFF2-40B4-BE49-F238E27FC236}">
+                <a16:creationId xmlns:a16="http://schemas.microsoft.com/office/drawing/2014/main" id="{EA05A3DF-4A2B-22DE-657D-E4E6AD79F741}"/>
+              </a:ext>
+            </a:extLst>
+          </p:cNvPr>
+          <p:cNvSpPr>
+            <a:spLocks noGrp="1"/>
+          </p:cNvSpPr>
+          <p:nvPr>
+            <p:ph type="title"/>
+          </p:nvPr>
+        </p:nvSpPr>
+        <p:spPr/>
+        <p:txBody>
+          <a:bodyPr/>
+          <a:lstStyle/>
+          <a:p>
+            <a:r>
+              <a:rPr lang="en-CA" dirty="0"/>
+              <a:t>Steps in physics detection (and response)</a:t>
+            </a:r>
+          </a:p>
+        </p:txBody>
+      </p:sp>
+      <p:sp>
+        <p:nvSpPr>
+          <p:cNvPr id="3" name="Content Placeholder 2">
+            <a:extLst>
+              <a:ext uri="{FF2B5EF4-FFF2-40B4-BE49-F238E27FC236}">
+                <a16:creationId xmlns:a16="http://schemas.microsoft.com/office/drawing/2014/main" id="{70BB4104-CF09-BE8C-07B5-F7C090E6171B}"/>
+              </a:ext>
+            </a:extLst>
+          </p:cNvPr>
+          <p:cNvSpPr>
+            <a:spLocks noGrp="1"/>
+          </p:cNvSpPr>
+          <p:nvPr>
+            <p:ph idx="1"/>
+          </p:nvPr>
+        </p:nvSpPr>
+        <p:spPr/>
+        <p:txBody>
+          <a:bodyPr>
+            <a:normAutofit/>
+          </a:bodyPr>
+          <a:lstStyle/>
+          <a:p>
+            <a:pPr marL="742950" indent="-742950">
+              <a:buFont typeface="+mj-lt"/>
+              <a:buAutoNum type="arabicPeriod"/>
+            </a:pPr>
+            <a:r>
+              <a:rPr lang="en-CA" sz="4400" dirty="0"/>
+              <a:t>Loop and update position, etc.</a:t>
+            </a:r>
+          </a:p>
+          <a:p>
+            <a:pPr marL="1200150" lvl="1" indent="-742950">
+              <a:buFont typeface="+mj-lt"/>
+              <a:buAutoNum type="arabicPeriod"/>
+            </a:pPr>
+            <a:r>
+              <a:rPr lang="en-CA" sz="4000" dirty="0"/>
+              <a:t>“integration” step</a:t>
+            </a:r>
+          </a:p>
+          <a:p>
+            <a:pPr marL="742950" indent="-742950">
+              <a:buFont typeface="+mj-lt"/>
+              <a:buAutoNum type="arabicPeriod"/>
+            </a:pPr>
+            <a:r>
+              <a:rPr lang="en-CA" sz="4400" dirty="0"/>
+              <a:t>“Narrow phase”</a:t>
+            </a:r>
+          </a:p>
+          <a:p>
+            <a:pPr marL="1200150" lvl="1" indent="-742950">
+              <a:buFont typeface="+mj-lt"/>
+              <a:buAutoNum type="arabicPeriod"/>
+            </a:pPr>
+            <a:r>
+              <a:rPr lang="en-CA" sz="4000" dirty="0"/>
+              <a:t>Actual collision detection happens</a:t>
+            </a:r>
+          </a:p>
+          <a:p>
+            <a:pPr marL="742950" indent="-742950">
+              <a:buFont typeface="+mj-lt"/>
+              <a:buAutoNum type="arabicPeriod"/>
+            </a:pPr>
+            <a:r>
+              <a:rPr lang="en-CA" sz="4400" dirty="0"/>
+              <a:t>“Broad phase”</a:t>
+            </a:r>
+          </a:p>
+          <a:p>
+            <a:pPr marL="1200150" lvl="1" indent="-742950">
+              <a:buFont typeface="+mj-lt"/>
+              <a:buAutoNum type="arabicPeriod"/>
+            </a:pPr>
+            <a:r>
+              <a:rPr lang="en-CA" sz="4000" dirty="0"/>
+              <a:t>Limit what gets compared to what</a:t>
+            </a:r>
+          </a:p>
+          <a:p>
+            <a:endParaRPr lang="en-CA" sz="4400" dirty="0"/>
+          </a:p>
+        </p:txBody>
+      </p:sp>
+    </p:spTree>
+    <p:extLst>
+      <p:ext uri="{BB962C8B-B14F-4D97-AF65-F5344CB8AC3E}">
+        <p14:creationId xmlns:p14="http://schemas.microsoft.com/office/powerpoint/2010/main" val="568468620"/>
+      </p:ext>
+    </p:extLst>
+  </p:cSld>
+  <p:clrMapOvr>
+    <a:masterClrMapping/>
+  </p:clrMapOvr>
+</p:sld>
+</file>
+
+<file path=ppt/slides/slide8.xml><?xml version="1.0" encoding="utf-8"?>
+<p:sld xmlns:a="http://schemas.openxmlformats.org/drawingml/2006/main" xmlns:r="http://schemas.openxmlformats.org/officeDocument/2006/relationships" xmlns:p="http://schemas.openxmlformats.org/presentationml/2006/main">
+  <p:cSld>
+    <p:spTree>
+      <p:nvGrpSpPr>
+        <p:cNvPr id="1" name=""/>
+        <p:cNvGrpSpPr/>
+        <p:nvPr/>
+      </p:nvGrpSpPr>
+      <p:grpSpPr>
+        <a:xfrm>
+          <a:off x="0" y="0"/>
+          <a:ext cx="0" cy="0"/>
+          <a:chOff x="0" y="0"/>
+          <a:chExt cx="0" cy="0"/>
+        </a:xfrm>
+      </p:grpSpPr>
+      <p:sp>
+        <p:nvSpPr>
+          <p:cNvPr id="3" name="Content Placeholder 2">
+            <a:extLst>
+              <a:ext uri="{FF2B5EF4-FFF2-40B4-BE49-F238E27FC236}">
+                <a16:creationId xmlns:a16="http://schemas.microsoft.com/office/drawing/2014/main" id="{70BB4104-CF09-BE8C-07B5-F7C090E6171B}"/>
+              </a:ext>
+            </a:extLst>
+          </p:cNvPr>
+          <p:cNvSpPr>
+            <a:spLocks noGrp="1"/>
+          </p:cNvSpPr>
+          <p:nvPr>
+            <p:ph idx="1"/>
+          </p:nvPr>
+        </p:nvSpPr>
+        <p:spPr>
+          <a:xfrm>
+            <a:off x="838200" y="363794"/>
+            <a:ext cx="10515600" cy="5813169"/>
+          </a:xfrm>
+        </p:spPr>
+        <p:txBody>
+          <a:bodyPr>
+            <a:normAutofit lnSpcReduction="10000"/>
+          </a:bodyPr>
+          <a:lstStyle/>
+          <a:p>
+            <a:pPr marL="0" indent="0">
+              <a:buNone/>
+            </a:pPr>
+            <a:r>
+              <a:rPr lang="en-CA" sz="4400" dirty="0"/>
+              <a:t>Narrow phase loop:</a:t>
+            </a:r>
+          </a:p>
+          <a:p>
+            <a:pPr marL="1200150" lvl="1" indent="-742950">
+              <a:buFont typeface="+mj-lt"/>
+              <a:buAutoNum type="arabicPeriod"/>
+            </a:pPr>
+            <a:r>
+              <a:rPr lang="en-CA" sz="4000" dirty="0"/>
+              <a:t>Do detection</a:t>
+            </a:r>
+          </a:p>
+          <a:p>
+            <a:pPr marL="1657350" lvl="2" indent="-742950">
+              <a:buFont typeface="+mj-lt"/>
+              <a:buAutoNum type="arabicPeriod"/>
+            </a:pPr>
+            <a:r>
+              <a:rPr lang="en-CA" sz="3600" dirty="0"/>
+              <a:t>Add something to indicate a collision</a:t>
+            </a:r>
+          </a:p>
+          <a:p>
+            <a:pPr marL="1200150" lvl="1" indent="-742950">
+              <a:buFont typeface="+mj-lt"/>
+              <a:buAutoNum type="arabicPeriod"/>
+            </a:pPr>
+            <a:r>
+              <a:rPr lang="en-CA" sz="4000" dirty="0"/>
+              <a:t>Do response after</a:t>
+            </a:r>
+          </a:p>
+          <a:p>
+            <a:pPr marL="1657350" lvl="2" indent="-742950">
+              <a:buFont typeface="+mj-lt"/>
+              <a:buAutoNum type="arabicPeriod"/>
+            </a:pPr>
+            <a:r>
+              <a:rPr lang="en-CA" sz="3600" dirty="0"/>
+              <a:t>i.e. lines 193 to 216 of cPhysics_IntersectionTests.cpp would be moved to another location</a:t>
+            </a:r>
+          </a:p>
+          <a:p>
+            <a:pPr marL="1657350" lvl="2" indent="-742950">
+              <a:buFont typeface="+mj-lt"/>
+              <a:buAutoNum type="arabicPeriod"/>
+            </a:pPr>
+            <a:r>
+              <a:rPr lang="en-CA" sz="3600" dirty="0"/>
+              <a:t>Add to some list, vector: sphere X hit triangle Y each time.</a:t>
+            </a:r>
+          </a:p>
+          <a:p>
+            <a:pPr marL="742950" indent="-742950">
+              <a:buFont typeface="+mj-lt"/>
+              <a:buAutoNum type="arabicPeriod"/>
+            </a:pPr>
+            <a:r>
+              <a:rPr lang="en-CA" sz="4400" dirty="0"/>
+              <a:t>Then we go through that list for each object and see what the final result</a:t>
+            </a:r>
+          </a:p>
+          <a:p>
+            <a:endParaRPr lang="en-CA" sz="4400" dirty="0"/>
+          </a:p>
+        </p:txBody>
+      </p:sp>
+    </p:spTree>
+    <p:extLst>
+      <p:ext uri="{BB962C8B-B14F-4D97-AF65-F5344CB8AC3E}">
+        <p14:creationId xmlns:p14="http://schemas.microsoft.com/office/powerpoint/2010/main" val="318220554"/>
+      </p:ext>
+    </p:extLst>
+  </p:cSld>
+  <p:clrMapOvr>
+    <a:masterClrMapping/>
+  </p:clrMapOvr>
+</p:sld>
+</file>
+
+<file path=ppt/slides/slide9.xml><?xml version="1.0" encoding="utf-8"?>
+<p:sld xmlns:a="http://schemas.openxmlformats.org/drawingml/2006/main" xmlns:r="http://schemas.openxmlformats.org/officeDocument/2006/relationships" xmlns:p="http://schemas.openxmlformats.org/presentationml/2006/main">
+  <p:cSld>
+    <p:spTree>
+      <p:nvGrpSpPr>
+        <p:cNvPr id="1" name=""/>
+        <p:cNvGrpSpPr/>
+        <p:nvPr/>
+      </p:nvGrpSpPr>
+      <p:grpSpPr>
+        <a:xfrm>
+          <a:off x="0" y="0"/>
+          <a:ext cx="0" cy="0"/>
+          <a:chOff x="0" y="0"/>
+          <a:chExt cx="0" cy="0"/>
+        </a:xfrm>
+      </p:grpSpPr>
+      <p:sp>
+        <p:nvSpPr>
+          <p:cNvPr id="3" name="Content Placeholder 2">
+            <a:extLst>
+              <a:ext uri="{FF2B5EF4-FFF2-40B4-BE49-F238E27FC236}">
+                <a16:creationId xmlns:a16="http://schemas.microsoft.com/office/drawing/2014/main" id="{70BB4104-CF09-BE8C-07B5-F7C090E6171B}"/>
+              </a:ext>
+            </a:extLst>
+          </p:cNvPr>
+          <p:cNvSpPr>
+            <a:spLocks noGrp="1"/>
+          </p:cNvSpPr>
+          <p:nvPr>
+            <p:ph idx="1"/>
+          </p:nvPr>
+        </p:nvSpPr>
+        <p:spPr>
+          <a:xfrm>
+            <a:off x="562897" y="294968"/>
+            <a:ext cx="10515600" cy="5813169"/>
+          </a:xfrm>
+        </p:spPr>
+        <p:txBody>
+          <a:bodyPr>
+            <a:normAutofit lnSpcReduction="10000"/>
+          </a:bodyPr>
+          <a:lstStyle/>
+          <a:p>
+            <a:pPr marL="0" indent="0">
+              <a:buNone/>
+            </a:pPr>
+            <a:r>
+              <a:rPr lang="en-CA" sz="4400" dirty="0"/>
+              <a:t>The “collision event” list solves:</a:t>
+            </a:r>
+          </a:p>
+          <a:p>
+            <a:pPr marL="1200150" lvl="1" indent="-742950">
+              <a:buFont typeface="+mj-lt"/>
+              <a:buAutoNum type="arabicPeriod"/>
+            </a:pPr>
+            <a:r>
+              <a:rPr lang="en-CA" sz="4000" dirty="0"/>
+              <a:t>We can decide what to do what “this” particular collision (explode, stop, bounce…)</a:t>
+            </a:r>
+          </a:p>
+          <a:p>
+            <a:pPr marL="1200150" lvl="1" indent="-742950">
+              <a:buFont typeface="+mj-lt"/>
+              <a:buAutoNum type="arabicPeriod"/>
+            </a:pPr>
+            <a:r>
+              <a:rPr lang="en-CA" sz="4000" dirty="0"/>
+              <a:t>We can calculate multiple collisions from one object, like a sphere and multiple triangles.</a:t>
+            </a:r>
+          </a:p>
+          <a:p>
+            <a:pPr marL="1200150" lvl="1" indent="-742950">
+              <a:buFont typeface="+mj-lt"/>
+              <a:buAutoNum type="arabicPeriod"/>
+            </a:pPr>
+            <a:r>
+              <a:rPr lang="en-CA" sz="4000" dirty="0"/>
+              <a:t>We can also detect identical collisions:</a:t>
+            </a:r>
+          </a:p>
+          <a:p>
+            <a:pPr marL="1657350" lvl="2" indent="-742950">
+              <a:buFont typeface="+mj-lt"/>
+              <a:buAutoNum type="arabicPeriod"/>
+            </a:pPr>
+            <a:r>
+              <a:rPr lang="en-CA" sz="4000" dirty="0"/>
+              <a:t>Object 172 hitting Object 1627 </a:t>
+            </a:r>
+            <a:br>
+              <a:rPr lang="en-CA" sz="4000" dirty="0"/>
+            </a:br>
+            <a:r>
+              <a:rPr lang="en-CA" sz="4000" dirty="0"/>
+              <a:t>is the same as </a:t>
+            </a:r>
+            <a:br>
+              <a:rPr lang="en-CA" sz="4000" dirty="0"/>
+            </a:br>
+            <a:r>
+              <a:rPr lang="en-CA" sz="4000" dirty="0"/>
+              <a:t>Object 1627 hitting Object 172</a:t>
+            </a:r>
+          </a:p>
+          <a:p>
+            <a:endParaRPr lang="en-CA" sz="4400" dirty="0"/>
+          </a:p>
+        </p:txBody>
+      </p:sp>
+    </p:spTree>
+    <p:extLst>
+      <p:ext uri="{BB962C8B-B14F-4D97-AF65-F5344CB8AC3E}">
+        <p14:creationId xmlns:p14="http://schemas.microsoft.com/office/powerpoint/2010/main" val="537944170"/>
       </p:ext>
     </p:extLst>
   </p:cSld>
